--- a/2DGP_project2.pptx
+++ b/2DGP_project2.pptx
@@ -5,30 +5,31 @@
     <p:sldMasterId id="2147483689" r:id="rId1"/>
   </p:sldMasterIdLst>
   <p:notesMasterIdLst>
-    <p:notesMasterId r:id="rId7"/>
+    <p:notesMasterId r:id="rId8"/>
   </p:notesMasterIdLst>
   <p:sldIdLst>
     <p:sldId id="256" r:id="rId2"/>
     <p:sldId id="264" r:id="rId3"/>
     <p:sldId id="259" r:id="rId4"/>
-    <p:sldId id="270" r:id="rId5"/>
-    <p:sldId id="269" r:id="rId6"/>
+    <p:sldId id="272" r:id="rId5"/>
+    <p:sldId id="271" r:id="rId6"/>
+    <p:sldId id="269" r:id="rId7"/>
   </p:sldIdLst>
   <p:sldSz cx="12192000" cy="6858000"/>
   <p:notesSz cx="6858000" cy="9144000"/>
   <p:embeddedFontLst>
     <p:embeddedFont>
       <p:font typeface="HY견고딕" panose="02030600000101010101" pitchFamily="18" charset="-127"/>
-      <p:regular r:id="rId8"/>
+      <p:regular r:id="rId9"/>
     </p:embeddedFont>
     <p:embeddedFont>
       <p:font typeface="HY헤드라인M" panose="02030600000101010101" pitchFamily="18" charset="-127"/>
-      <p:regular r:id="rId9"/>
+      <p:regular r:id="rId10"/>
     </p:embeddedFont>
     <p:embeddedFont>
       <p:font typeface="맑은 고딕" panose="020B0503020000020004" pitchFamily="50" charset="-127"/>
-      <p:regular r:id="rId10"/>
-      <p:bold r:id="rId11"/>
+      <p:regular r:id="rId11"/>
+      <p:bold r:id="rId12"/>
     </p:embeddedFont>
   </p:embeddedFontLst>
   <p:defaultTextStyle>
@@ -572,6 +573,128 @@
     <p:extLst>
       <p:ext uri="{BB962C8B-B14F-4D97-AF65-F5344CB8AC3E}">
         <p14:creationId xmlns:p14="http://schemas.microsoft.com/office/powerpoint/2010/main" val="3713576298"/>
+      </p:ext>
+    </p:extLst>
+  </p:cSld>
+  <p:clrMapOvr>
+    <a:masterClrMapping/>
+  </p:clrMapOvr>
+</p:notes>
+</file>
+
+<file path=ppt/notesSlides/notesSlide2.xml><?xml version="1.0" encoding="utf-8"?>
+<p:notes xmlns:a="http://schemas.openxmlformats.org/drawingml/2006/main" xmlns:r="http://schemas.openxmlformats.org/officeDocument/2006/relationships" xmlns:p="http://schemas.openxmlformats.org/presentationml/2006/main">
+  <p:cSld>
+    <p:spTree>
+      <p:nvGrpSpPr>
+        <p:cNvPr id="1" name="">
+          <a:extLst>
+            <a:ext uri="{FF2B5EF4-FFF2-40B4-BE49-F238E27FC236}">
+              <a16:creationId xmlns:a16="http://schemas.microsoft.com/office/drawing/2014/main" id="{CBB74033-E4A8-B94A-F3BA-694E34A350F4}"/>
+            </a:ext>
+          </a:extLst>
+        </p:cNvPr>
+        <p:cNvGrpSpPr/>
+        <p:nvPr/>
+      </p:nvGrpSpPr>
+      <p:grpSpPr>
+        <a:xfrm>
+          <a:off x="0" y="0"/>
+          <a:ext cx="0" cy="0"/>
+          <a:chOff x="0" y="0"/>
+          <a:chExt cx="0" cy="0"/>
+        </a:xfrm>
+      </p:grpSpPr>
+      <p:sp>
+        <p:nvSpPr>
+          <p:cNvPr id="2" name="슬라이드 이미지 개체 틀 1">
+            <a:extLst>
+              <a:ext uri="{FF2B5EF4-FFF2-40B4-BE49-F238E27FC236}">
+                <a16:creationId xmlns:a16="http://schemas.microsoft.com/office/drawing/2014/main" id="{C33ADEFF-5582-24FC-A60B-018F86FD4519}"/>
+              </a:ext>
+            </a:extLst>
+          </p:cNvPr>
+          <p:cNvSpPr>
+            <a:spLocks noGrp="1" noRot="1" noChangeAspect="1"/>
+          </p:cNvSpPr>
+          <p:nvPr>
+            <p:ph type="sldImg"/>
+          </p:nvPr>
+        </p:nvSpPr>
+        <p:spPr/>
+      </p:sp>
+      <p:sp>
+        <p:nvSpPr>
+          <p:cNvPr id="3" name="슬라이드 노트 개체 틀 2">
+            <a:extLst>
+              <a:ext uri="{FF2B5EF4-FFF2-40B4-BE49-F238E27FC236}">
+                <a16:creationId xmlns:a16="http://schemas.microsoft.com/office/drawing/2014/main" id="{A08C6A96-0A17-EB24-4F5B-7213DA07C099}"/>
+              </a:ext>
+            </a:extLst>
+          </p:cNvPr>
+          <p:cNvSpPr>
+            <a:spLocks noGrp="1"/>
+          </p:cNvSpPr>
+          <p:nvPr>
+            <p:ph type="body" idx="1"/>
+          </p:nvPr>
+        </p:nvSpPr>
+        <p:spPr/>
+        <p:txBody>
+          <a:bodyPr/>
+          <a:lstStyle/>
+          <a:p>
+            <a:r>
+              <a:rPr lang="ko-KR" altLang="en-US" dirty="0"/>
+              <a:t>자세한 내용은</a:t>
+            </a:r>
+          </a:p>
+          <a:p>
+            <a:r>
+              <a:rPr lang="ko-KR" altLang="en-US" dirty="0"/>
+              <a:t>게임 기획서를 살펴보며 흐름과 같이 설명해드리겠습니다</a:t>
+            </a:r>
+            <a:r>
+              <a:rPr lang="en-US" altLang="ko-KR" dirty="0"/>
+              <a:t>.</a:t>
+            </a:r>
+            <a:endParaRPr lang="ko-KR" altLang="en-US" dirty="0"/>
+          </a:p>
+        </p:txBody>
+      </p:sp>
+      <p:sp>
+        <p:nvSpPr>
+          <p:cNvPr id="4" name="슬라이드 번호 개체 틀 3">
+            <a:extLst>
+              <a:ext uri="{FF2B5EF4-FFF2-40B4-BE49-F238E27FC236}">
+                <a16:creationId xmlns:a16="http://schemas.microsoft.com/office/drawing/2014/main" id="{55B7C503-7A6E-99F5-160C-1BEC622591E7}"/>
+              </a:ext>
+            </a:extLst>
+          </p:cNvPr>
+          <p:cNvSpPr>
+            <a:spLocks noGrp="1"/>
+          </p:cNvSpPr>
+          <p:nvPr>
+            <p:ph type="sldNum" sz="quarter" idx="5"/>
+          </p:nvPr>
+        </p:nvSpPr>
+        <p:spPr/>
+        <p:txBody>
+          <a:bodyPr/>
+          <a:lstStyle/>
+          <a:p>
+            <a:fld id="{608EB9C0-4D9B-4517-9AA0-A6C1C7E4CFFD}" type="slidenum">
+              <a:rPr lang="ko-KR" altLang="en-US" smtClean="0"/>
+              <a:t>4</a:t>
+            </a:fld>
+            <a:endParaRPr lang="ko-KR" altLang="en-US"/>
+          </a:p>
+        </p:txBody>
+      </p:sp>
+    </p:spTree>
+    <p:extLst>
+      <p:ext uri="{BB962C8B-B14F-4D97-AF65-F5344CB8AC3E}">
+        <p14:creationId xmlns:p14="http://schemas.microsoft.com/office/powerpoint/2010/main" val="3654388957"/>
       </p:ext>
     </p:extLst>
   </p:cSld>
@@ -6900,9 +7023,23 @@
 <file path=ppt/slides/slide4.xml><?xml version="1.0" encoding="utf-8"?>
 <p:sld xmlns:a="http://schemas.openxmlformats.org/drawingml/2006/main" xmlns:r="http://schemas.openxmlformats.org/officeDocument/2006/relationships" xmlns:p="http://schemas.openxmlformats.org/presentationml/2006/main">
   <p:cSld>
+    <p:bg>
+      <p:bgPr>
+        <a:solidFill>
+          <a:schemeClr val="bg1"/>
+        </a:solidFill>
+        <a:effectLst/>
+      </p:bgPr>
+    </p:bg>
     <p:spTree>
       <p:nvGrpSpPr>
-        <p:cNvPr id="1" name=""/>
+        <p:cNvPr id="1" name="">
+          <a:extLst>
+            <a:ext uri="{FF2B5EF4-FFF2-40B4-BE49-F238E27FC236}">
+              <a16:creationId xmlns:a16="http://schemas.microsoft.com/office/drawing/2014/main" id="{84C32C89-A367-7575-C850-DB42D4AC4570}"/>
+            </a:ext>
+          </a:extLst>
+        </p:cNvPr>
         <p:cNvGrpSpPr/>
         <p:nvPr/>
       </p:nvGrpSpPr>
@@ -6916,10 +7053,109 @@
       </p:grpSpPr>
       <p:sp>
         <p:nvSpPr>
+          <p:cNvPr id="9" name="Rectangle 8">
+            <a:extLst>
+              <a:ext uri="{FF2B5EF4-FFF2-40B4-BE49-F238E27FC236}">
+                <a16:creationId xmlns:a16="http://schemas.microsoft.com/office/drawing/2014/main" id="{D88EAB66-F2FE-A213-8DF6-BB66EBDF8B24}"/>
+              </a:ext>
+              <a:ext uri="{C183D7F6-B498-43B3-948B-1728B52AA6E4}">
+                <adec:decorative xmlns:adec="http://schemas.microsoft.com/office/drawing/2017/decorative" val="1"/>
+              </a:ext>
+            </a:extLst>
+          </p:cNvPr>
+          <p:cNvSpPr>
+            <a:spLocks noGrp="1" noRot="1" noChangeAspect="1" noMove="1" noResize="1" noEditPoints="1" noAdjustHandles="1" noChangeArrowheads="1" noChangeShapeType="1" noTextEdit="1"/>
+          </p:cNvSpPr>
+          <p:nvPr>
+            <p:extLst>
+              <p:ext uri="{386F3935-93C4-4BCD-93E2-E3B085C9AB24}">
+                <p16:designElem xmlns:p16="http://schemas.microsoft.com/office/powerpoint/2015/main" val="1"/>
+              </p:ext>
+            </p:extLst>
+          </p:nvPr>
+        </p:nvSpPr>
+        <p:spPr>
+          <a:xfrm>
+            <a:off x="0" y="0"/>
+            <a:ext cx="12188952" cy="6858000"/>
+          </a:xfrm>
+          <a:prstGeom prst="rect">
+            <a:avLst/>
+          </a:prstGeom>
+          <a:solidFill>
+            <a:schemeClr val="tx1"/>
+          </a:solidFill>
+          <a:ln>
+            <a:noFill/>
+          </a:ln>
+        </p:spPr>
+        <p:style>
+          <a:lnRef idx="2">
+            <a:schemeClr val="accent1">
+              <a:shade val="50000"/>
+            </a:schemeClr>
+          </a:lnRef>
+          <a:fillRef idx="1">
+            <a:schemeClr val="accent1"/>
+          </a:fillRef>
+          <a:effectRef idx="0">
+            <a:schemeClr val="accent1"/>
+          </a:effectRef>
+          <a:fontRef idx="minor">
+            <a:schemeClr val="lt1"/>
+          </a:fontRef>
+        </p:style>
+        <p:txBody>
+          <a:bodyPr rtlCol="0" anchor="ctr"/>
+          <a:lstStyle/>
+          <a:p>
+            <a:pPr algn="ctr"/>
+            <a:endParaRPr lang="en-US"/>
+          </a:p>
+        </p:txBody>
+      </p:sp>
+      <p:pic>
+        <p:nvPicPr>
+          <p:cNvPr id="4" name="그림 3" descr="페인팅, 스케치, 예술, 그림이(가) 표시된 사진&#10;&#10;자동 생성된 설명">
+            <a:extLst>
+              <a:ext uri="{FF2B5EF4-FFF2-40B4-BE49-F238E27FC236}">
+                <a16:creationId xmlns:a16="http://schemas.microsoft.com/office/drawing/2014/main" id="{22543130-2F0D-6817-9504-F7AE4B04BE42}"/>
+              </a:ext>
+            </a:extLst>
+          </p:cNvPr>
+          <p:cNvPicPr>
+            <a:picLocks noChangeAspect="1"/>
+          </p:cNvPicPr>
+          <p:nvPr/>
+        </p:nvPicPr>
+        <p:blipFill>
+          <a:blip r:embed="rId3">
+            <a:alphaModFix amt="50000"/>
+            <a:extLst>
+              <a:ext uri="{28A0092B-C50C-407E-A947-70E740481C1C}">
+                <a14:useLocalDpi xmlns:a14="http://schemas.microsoft.com/office/drawing/2010/main" val="0"/>
+              </a:ext>
+            </a:extLst>
+          </a:blip>
+          <a:srcRect t="50636" r="1" b="5619"/>
+          <a:stretch/>
+        </p:blipFill>
+        <p:spPr>
+          <a:xfrm>
+            <a:off x="20" y="10"/>
+            <a:ext cx="12188930" cy="6857990"/>
+          </a:xfrm>
+          <a:prstGeom prst="rect">
+            <a:avLst/>
+          </a:prstGeom>
+        </p:spPr>
+      </p:pic>
+      <p:sp>
+        <p:nvSpPr>
           <p:cNvPr id="2" name="제목 1">
             <a:extLst>
               <a:ext uri="{FF2B5EF4-FFF2-40B4-BE49-F238E27FC236}">
-                <a16:creationId xmlns:a16="http://schemas.microsoft.com/office/drawing/2014/main" id="{C3EEDF23-A5E6-212D-E961-88AD649905AA}"/>
+                <a16:creationId xmlns:a16="http://schemas.microsoft.com/office/drawing/2014/main" id="{CC88D6A4-7B2C-5537-1B86-13D16F521B85}"/>
               </a:ext>
             </a:extLst>
           </p:cNvPr>
@@ -6927,24 +7163,537 @@
             <a:spLocks noGrp="1"/>
           </p:cNvSpPr>
           <p:nvPr>
-            <p:ph type="title"/>
+            <p:ph type="ctrTitle"/>
           </p:nvPr>
         </p:nvSpPr>
-        <p:spPr/>
+        <p:spPr>
+          <a:xfrm>
+            <a:off x="1524000" y="1122363"/>
+            <a:ext cx="9144000" cy="3063240"/>
+          </a:xfrm>
+        </p:spPr>
         <p:txBody>
-          <a:bodyPr/>
+          <a:bodyPr>
+            <a:normAutofit/>
+          </a:bodyPr>
           <a:lstStyle/>
           <a:p>
-            <a:endParaRPr lang="ko-KR" altLang="en-US"/>
+            <a:r>
+              <a:rPr lang="ko-KR" altLang="en-US" sz="6600" dirty="0" err="1">
+                <a:solidFill>
+                  <a:schemeClr val="bg1"/>
+                </a:solidFill>
+              </a:rPr>
+              <a:t>커밋</a:t>
+            </a:r>
+            <a:r>
+              <a:rPr lang="ko-KR" altLang="en-US" sz="6600" dirty="0">
+                <a:solidFill>
+                  <a:schemeClr val="bg1"/>
+                </a:solidFill>
+              </a:rPr>
+              <a:t>　통계</a:t>
+            </a:r>
           </a:p>
         </p:txBody>
       </p:sp>
+      <p:sp>
+        <p:nvSpPr>
+          <p:cNvPr id="3" name="부제목 2">
+            <a:extLst>
+              <a:ext uri="{FF2B5EF4-FFF2-40B4-BE49-F238E27FC236}">
+                <a16:creationId xmlns:a16="http://schemas.microsoft.com/office/drawing/2014/main" id="{A406ED5D-EFE2-203A-6465-FB0BF490DF63}"/>
+              </a:ext>
+            </a:extLst>
+          </p:cNvPr>
+          <p:cNvSpPr>
+            <a:spLocks noGrp="1"/>
+          </p:cNvSpPr>
+          <p:nvPr>
+            <p:ph type="subTitle" idx="1"/>
+          </p:nvPr>
+        </p:nvSpPr>
+        <p:spPr>
+          <a:xfrm>
+            <a:off x="1527048" y="4599432"/>
+            <a:ext cx="9144000" cy="1536192"/>
+          </a:xfrm>
+        </p:spPr>
+        <p:txBody>
+          <a:bodyPr>
+            <a:normAutofit/>
+          </a:bodyPr>
+          <a:lstStyle/>
+          <a:p>
+            <a:endParaRPr lang="ko-KR" altLang="en-US">
+              <a:solidFill>
+                <a:schemeClr val="bg1"/>
+              </a:solidFill>
+            </a:endParaRPr>
+          </a:p>
+        </p:txBody>
+      </p:sp>
+      <p:sp>
+        <p:nvSpPr>
+          <p:cNvPr id="11" name="sketchy line">
+            <a:extLst>
+              <a:ext uri="{FF2B5EF4-FFF2-40B4-BE49-F238E27FC236}">
+                <a16:creationId xmlns:a16="http://schemas.microsoft.com/office/drawing/2014/main" id="{BC63FC73-7379-FD9A-E44B-D60178E0525A}"/>
+              </a:ext>
+              <a:ext uri="{C183D7F6-B498-43B3-948B-1728B52AA6E4}">
+                <adec:decorative xmlns:adec="http://schemas.microsoft.com/office/drawing/2017/decorative" val="1"/>
+              </a:ext>
+            </a:extLst>
+          </p:cNvPr>
+          <p:cNvSpPr>
+            <a:spLocks noGrp="1" noRot="1" noChangeAspect="1" noMove="1" noResize="1" noEditPoints="1" noAdjustHandles="1" noChangeArrowheads="1" noChangeShapeType="1" noTextEdit="1"/>
+          </p:cNvSpPr>
+          <p:nvPr>
+            <p:extLst>
+              <p:ext uri="{386F3935-93C4-4BCD-93E2-E3B085C9AB24}">
+                <p16:designElem xmlns:p16="http://schemas.microsoft.com/office/powerpoint/2015/main" val="1"/>
+              </p:ext>
+            </p:extLst>
+          </p:nvPr>
+        </p:nvSpPr>
+        <p:spPr>
+          <a:xfrm>
+            <a:off x="3974206" y="4368623"/>
+            <a:ext cx="4243589" cy="18288"/>
+          </a:xfrm>
+          <a:custGeom>
+            <a:avLst/>
+            <a:gdLst>
+              <a:gd name="connsiteX0" fmla="*/ 0 w 4243589"/>
+              <a:gd name="connsiteY0" fmla="*/ 0 h 18288"/>
+              <a:gd name="connsiteX1" fmla="*/ 478919 w 4243589"/>
+              <a:gd name="connsiteY1" fmla="*/ 0 h 18288"/>
+              <a:gd name="connsiteX2" fmla="*/ 957839 w 4243589"/>
+              <a:gd name="connsiteY2" fmla="*/ 0 h 18288"/>
+              <a:gd name="connsiteX3" fmla="*/ 1521630 w 4243589"/>
+              <a:gd name="connsiteY3" fmla="*/ 0 h 18288"/>
+              <a:gd name="connsiteX4" fmla="*/ 2212729 w 4243589"/>
+              <a:gd name="connsiteY4" fmla="*/ 0 h 18288"/>
+              <a:gd name="connsiteX5" fmla="*/ 2734084 w 4243589"/>
+              <a:gd name="connsiteY5" fmla="*/ 0 h 18288"/>
+              <a:gd name="connsiteX6" fmla="*/ 3255439 w 4243589"/>
+              <a:gd name="connsiteY6" fmla="*/ 0 h 18288"/>
+              <a:gd name="connsiteX7" fmla="*/ 4243589 w 4243589"/>
+              <a:gd name="connsiteY7" fmla="*/ 0 h 18288"/>
+              <a:gd name="connsiteX8" fmla="*/ 4243589 w 4243589"/>
+              <a:gd name="connsiteY8" fmla="*/ 18288 h 18288"/>
+              <a:gd name="connsiteX9" fmla="*/ 3594926 w 4243589"/>
+              <a:gd name="connsiteY9" fmla="*/ 18288 h 18288"/>
+              <a:gd name="connsiteX10" fmla="*/ 3073571 w 4243589"/>
+              <a:gd name="connsiteY10" fmla="*/ 18288 h 18288"/>
+              <a:gd name="connsiteX11" fmla="*/ 2552216 w 4243589"/>
+              <a:gd name="connsiteY11" fmla="*/ 18288 h 18288"/>
+              <a:gd name="connsiteX12" fmla="*/ 1903553 w 4243589"/>
+              <a:gd name="connsiteY12" fmla="*/ 18288 h 18288"/>
+              <a:gd name="connsiteX13" fmla="*/ 1212454 w 4243589"/>
+              <a:gd name="connsiteY13" fmla="*/ 18288 h 18288"/>
+              <a:gd name="connsiteX14" fmla="*/ 733535 w 4243589"/>
+              <a:gd name="connsiteY14" fmla="*/ 18288 h 18288"/>
+              <a:gd name="connsiteX15" fmla="*/ 0 w 4243589"/>
+              <a:gd name="connsiteY15" fmla="*/ 18288 h 18288"/>
+              <a:gd name="connsiteX16" fmla="*/ 0 w 4243589"/>
+              <a:gd name="connsiteY16" fmla="*/ 0 h 18288"/>
+            </a:gdLst>
+            <a:ahLst/>
+            <a:cxnLst>
+              <a:cxn ang="0">
+                <a:pos x="connsiteX0" y="connsiteY0"/>
+              </a:cxn>
+              <a:cxn ang="0">
+                <a:pos x="connsiteX1" y="connsiteY1"/>
+              </a:cxn>
+              <a:cxn ang="0">
+                <a:pos x="connsiteX2" y="connsiteY2"/>
+              </a:cxn>
+              <a:cxn ang="0">
+                <a:pos x="connsiteX3" y="connsiteY3"/>
+              </a:cxn>
+              <a:cxn ang="0">
+                <a:pos x="connsiteX4" y="connsiteY4"/>
+              </a:cxn>
+              <a:cxn ang="0">
+                <a:pos x="connsiteX5" y="connsiteY5"/>
+              </a:cxn>
+              <a:cxn ang="0">
+                <a:pos x="connsiteX6" y="connsiteY6"/>
+              </a:cxn>
+              <a:cxn ang="0">
+                <a:pos x="connsiteX7" y="connsiteY7"/>
+              </a:cxn>
+              <a:cxn ang="0">
+                <a:pos x="connsiteX8" y="connsiteY8"/>
+              </a:cxn>
+              <a:cxn ang="0">
+                <a:pos x="connsiteX9" y="connsiteY9"/>
+              </a:cxn>
+              <a:cxn ang="0">
+                <a:pos x="connsiteX10" y="connsiteY10"/>
+              </a:cxn>
+              <a:cxn ang="0">
+                <a:pos x="connsiteX11" y="connsiteY11"/>
+              </a:cxn>
+              <a:cxn ang="0">
+                <a:pos x="connsiteX12" y="connsiteY12"/>
+              </a:cxn>
+              <a:cxn ang="0">
+                <a:pos x="connsiteX13" y="connsiteY13"/>
+              </a:cxn>
+              <a:cxn ang="0">
+                <a:pos x="connsiteX14" y="connsiteY14"/>
+              </a:cxn>
+              <a:cxn ang="0">
+                <a:pos x="connsiteX15" y="connsiteY15"/>
+              </a:cxn>
+              <a:cxn ang="0">
+                <a:pos x="connsiteX16" y="connsiteY16"/>
+              </a:cxn>
+            </a:cxnLst>
+            <a:rect l="l" t="t" r="r" b="b"/>
+            <a:pathLst>
+              <a:path w="4243589" h="18288" fill="none" extrusionOk="0">
+                <a:moveTo>
+                  <a:pt x="0" y="0"/>
+                </a:moveTo>
+                <a:cubicBezTo>
+                  <a:pt x="213395" y="-21006"/>
+                  <a:pt x="307421" y="-18116"/>
+                  <a:pt x="478919" y="0"/>
+                </a:cubicBezTo>
+                <a:cubicBezTo>
+                  <a:pt x="650417" y="18116"/>
+                  <a:pt x="831092" y="-21237"/>
+                  <a:pt x="957839" y="0"/>
+                </a:cubicBezTo>
+                <a:cubicBezTo>
+                  <a:pt x="1084586" y="21237"/>
+                  <a:pt x="1301682" y="25124"/>
+                  <a:pt x="1521630" y="0"/>
+                </a:cubicBezTo>
+                <a:cubicBezTo>
+                  <a:pt x="1741578" y="-25124"/>
+                  <a:pt x="1970269" y="-29139"/>
+                  <a:pt x="2212729" y="0"/>
+                </a:cubicBezTo>
+                <a:cubicBezTo>
+                  <a:pt x="2455189" y="29139"/>
+                  <a:pt x="2558847" y="-4796"/>
+                  <a:pt x="2734084" y="0"/>
+                </a:cubicBezTo>
+                <a:cubicBezTo>
+                  <a:pt x="2909321" y="4796"/>
+                  <a:pt x="3097217" y="-13409"/>
+                  <a:pt x="3255439" y="0"/>
+                </a:cubicBezTo>
+                <a:cubicBezTo>
+                  <a:pt x="3413662" y="13409"/>
+                  <a:pt x="3979999" y="-10121"/>
+                  <a:pt x="4243589" y="0"/>
+                </a:cubicBezTo>
+                <a:cubicBezTo>
+                  <a:pt x="4244484" y="8974"/>
+                  <a:pt x="4243043" y="9359"/>
+                  <a:pt x="4243589" y="18288"/>
+                </a:cubicBezTo>
+                <a:cubicBezTo>
+                  <a:pt x="4058777" y="31246"/>
+                  <a:pt x="3910348" y="3158"/>
+                  <a:pt x="3594926" y="18288"/>
+                </a:cubicBezTo>
+                <a:cubicBezTo>
+                  <a:pt x="3279504" y="33418"/>
+                  <a:pt x="3319955" y="-3977"/>
+                  <a:pt x="3073571" y="18288"/>
+                </a:cubicBezTo>
+                <a:cubicBezTo>
+                  <a:pt x="2827187" y="40553"/>
+                  <a:pt x="2767387" y="1863"/>
+                  <a:pt x="2552216" y="18288"/>
+                </a:cubicBezTo>
+                <a:cubicBezTo>
+                  <a:pt x="2337046" y="34713"/>
+                  <a:pt x="2181871" y="19527"/>
+                  <a:pt x="1903553" y="18288"/>
+                </a:cubicBezTo>
+                <a:cubicBezTo>
+                  <a:pt x="1625235" y="17049"/>
+                  <a:pt x="1557672" y="24174"/>
+                  <a:pt x="1212454" y="18288"/>
+                </a:cubicBezTo>
+                <a:cubicBezTo>
+                  <a:pt x="867236" y="12402"/>
+                  <a:pt x="874382" y="15627"/>
+                  <a:pt x="733535" y="18288"/>
+                </a:cubicBezTo>
+                <a:cubicBezTo>
+                  <a:pt x="592688" y="20949"/>
+                  <a:pt x="183477" y="14753"/>
+                  <a:pt x="0" y="18288"/>
+                </a:cubicBezTo>
+                <a:cubicBezTo>
+                  <a:pt x="-229" y="14222"/>
+                  <a:pt x="509" y="5816"/>
+                  <a:pt x="0" y="0"/>
+                </a:cubicBezTo>
+                <a:close/>
+              </a:path>
+              <a:path w="4243589" h="18288" stroke="0" extrusionOk="0">
+                <a:moveTo>
+                  <a:pt x="0" y="0"/>
+                </a:moveTo>
+                <a:cubicBezTo>
+                  <a:pt x="143690" y="16630"/>
+                  <a:pt x="266667" y="14847"/>
+                  <a:pt x="521355" y="0"/>
+                </a:cubicBezTo>
+                <a:cubicBezTo>
+                  <a:pt x="776043" y="-14847"/>
+                  <a:pt x="814491" y="-17363"/>
+                  <a:pt x="1000275" y="0"/>
+                </a:cubicBezTo>
+                <a:cubicBezTo>
+                  <a:pt x="1186059" y="17363"/>
+                  <a:pt x="1352504" y="-23507"/>
+                  <a:pt x="1521630" y="0"/>
+                </a:cubicBezTo>
+                <a:cubicBezTo>
+                  <a:pt x="1690756" y="23507"/>
+                  <a:pt x="1889525" y="5871"/>
+                  <a:pt x="2127857" y="0"/>
+                </a:cubicBezTo>
+                <a:cubicBezTo>
+                  <a:pt x="2366189" y="-5871"/>
+                  <a:pt x="2620628" y="-27997"/>
+                  <a:pt x="2776520" y="0"/>
+                </a:cubicBezTo>
+                <a:cubicBezTo>
+                  <a:pt x="2932412" y="27997"/>
+                  <a:pt x="3131683" y="-25073"/>
+                  <a:pt x="3467618" y="0"/>
+                </a:cubicBezTo>
+                <a:cubicBezTo>
+                  <a:pt x="3803553" y="25073"/>
+                  <a:pt x="4017371" y="3071"/>
+                  <a:pt x="4243589" y="0"/>
+                </a:cubicBezTo>
+                <a:cubicBezTo>
+                  <a:pt x="4243134" y="6162"/>
+                  <a:pt x="4243492" y="11775"/>
+                  <a:pt x="4243589" y="18288"/>
+                </a:cubicBezTo>
+                <a:cubicBezTo>
+                  <a:pt x="4017834" y="-5779"/>
+                  <a:pt x="3834586" y="13376"/>
+                  <a:pt x="3594926" y="18288"/>
+                </a:cubicBezTo>
+                <a:cubicBezTo>
+                  <a:pt x="3355266" y="23200"/>
+                  <a:pt x="3204179" y="2869"/>
+                  <a:pt x="2903827" y="18288"/>
+                </a:cubicBezTo>
+                <a:cubicBezTo>
+                  <a:pt x="2603475" y="33707"/>
+                  <a:pt x="2526187" y="46187"/>
+                  <a:pt x="2212729" y="18288"/>
+                </a:cubicBezTo>
+                <a:cubicBezTo>
+                  <a:pt x="1899271" y="-9611"/>
+                  <a:pt x="1966289" y="29692"/>
+                  <a:pt x="1733809" y="18288"/>
+                </a:cubicBezTo>
+                <a:cubicBezTo>
+                  <a:pt x="1501329" y="6884"/>
+                  <a:pt x="1343612" y="12492"/>
+                  <a:pt x="1085146" y="18288"/>
+                </a:cubicBezTo>
+                <a:cubicBezTo>
+                  <a:pt x="826680" y="24084"/>
+                  <a:pt x="778184" y="35607"/>
+                  <a:pt x="521355" y="18288"/>
+                </a:cubicBezTo>
+                <a:cubicBezTo>
+                  <a:pt x="264526" y="969"/>
+                  <a:pt x="120277" y="4268"/>
+                  <a:pt x="0" y="18288"/>
+                </a:cubicBezTo>
+                <a:cubicBezTo>
+                  <a:pt x="766" y="10800"/>
+                  <a:pt x="-457" y="8180"/>
+                  <a:pt x="0" y="0"/>
+                </a:cubicBezTo>
+                <a:close/>
+              </a:path>
+            </a:pathLst>
+          </a:custGeom>
+          <a:solidFill>
+            <a:srgbClr val="FFFFFF">
+              <a:alpha val="75000"/>
+            </a:srgbClr>
+          </a:solidFill>
+          <a:ln w="44450" cap="rnd">
+            <a:solidFill>
+              <a:schemeClr val="bg1">
+                <a:alpha val="75000"/>
+              </a:schemeClr>
+            </a:solidFill>
+            <a:round/>
+            <a:extLst>
+              <a:ext uri="{C807C97D-BFC1-408E-A445-0C87EB9F89A2}">
+                <ask:lineSketchStyleProps xmlns:ask="http://schemas.microsoft.com/office/drawing/2018/sketchyshapes" sd="2727557108">
+                  <a:prstGeom prst="rect">
+                    <a:avLst/>
+                  </a:prstGeom>
+                  <ask:type>
+                    <ask:lineSketchFreehand/>
+                  </ask:type>
+                </ask:lineSketchStyleProps>
+              </a:ext>
+            </a:extLst>
+          </a:ln>
+        </p:spPr>
+        <p:style>
+          <a:lnRef idx="2">
+            <a:schemeClr val="accent1">
+              <a:shade val="50000"/>
+            </a:schemeClr>
+          </a:lnRef>
+          <a:fillRef idx="1">
+            <a:schemeClr val="accent1"/>
+          </a:fillRef>
+          <a:effectRef idx="0">
+            <a:schemeClr val="accent1"/>
+          </a:effectRef>
+          <a:fontRef idx="minor">
+            <a:schemeClr val="lt1"/>
+          </a:fontRef>
+        </p:style>
+        <p:txBody>
+          <a:bodyPr rtlCol="0" anchor="ctr"/>
+          <a:lstStyle/>
+          <a:p>
+            <a:pPr algn="ctr"/>
+            <a:endParaRPr lang="en-US"/>
+          </a:p>
+        </p:txBody>
+      </p:sp>
+    </p:spTree>
+    <p:extLst>
+      <p:ext uri="{BB962C8B-B14F-4D97-AF65-F5344CB8AC3E}">
+        <p14:creationId xmlns:p14="http://schemas.microsoft.com/office/powerpoint/2010/main" val="3472641603"/>
+      </p:ext>
+    </p:extLst>
+  </p:cSld>
+  <p:clrMapOvr>
+    <a:masterClrMapping/>
+  </p:clrMapOvr>
+</p:sld>
+</file>
+
+<file path=ppt/slides/slide5.xml><?xml version="1.0" encoding="utf-8"?>
+<p:sld xmlns:a="http://schemas.openxmlformats.org/drawingml/2006/main" xmlns:r="http://schemas.openxmlformats.org/officeDocument/2006/relationships" xmlns:p="http://schemas.openxmlformats.org/presentationml/2006/main">
+  <p:cSld>
+    <p:spTree>
+      <p:nvGrpSpPr>
+        <p:cNvPr id="1" name="">
+          <a:extLst>
+            <a:ext uri="{FF2B5EF4-FFF2-40B4-BE49-F238E27FC236}">
+              <a16:creationId xmlns:a16="http://schemas.microsoft.com/office/drawing/2014/main" id="{96E6BBB3-66BE-E68C-52DC-484C58B73095}"/>
+            </a:ext>
+          </a:extLst>
+        </p:cNvPr>
+        <p:cNvGrpSpPr/>
+        <p:nvPr/>
+      </p:nvGrpSpPr>
+      <p:grpSpPr>
+        <a:xfrm>
+          <a:off x="0" y="0"/>
+          <a:ext cx="0" cy="0"/>
+          <a:chOff x="0" y="0"/>
+          <a:chExt cx="0" cy="0"/>
+        </a:xfrm>
+      </p:grpSpPr>
+      <p:pic>
+        <p:nvPicPr>
+          <p:cNvPr id="11" name="그림 10" descr="페인팅, 스케치, 예술, 그림이(가) 표시된 사진&#10;&#10;자동 생성된 설명">
+            <a:extLst>
+              <a:ext uri="{FF2B5EF4-FFF2-40B4-BE49-F238E27FC236}">
+                <a16:creationId xmlns:a16="http://schemas.microsoft.com/office/drawing/2014/main" id="{68B9A122-5A24-8FAF-FF1D-17CE40F65231}"/>
+              </a:ext>
+            </a:extLst>
+          </p:cNvPr>
+          <p:cNvPicPr>
+            <a:picLocks noChangeAspect="1"/>
+          </p:cNvPicPr>
+          <p:nvPr/>
+        </p:nvPicPr>
+        <p:blipFill>
+          <a:blip r:embed="rId2">
+            <a:alphaModFix amt="51000"/>
+            <a:extLst>
+              <a:ext uri="{28A0092B-C50C-407E-A947-70E740481C1C}">
+                <a14:useLocalDpi xmlns:a14="http://schemas.microsoft.com/office/drawing/2010/main" val="0"/>
+              </a:ext>
+            </a:extLst>
+          </a:blip>
+          <a:srcRect t="50636" r="1" b="5619"/>
+          <a:stretch/>
+        </p:blipFill>
+        <p:spPr>
+          <a:xfrm>
+            <a:off x="20" y="10"/>
+            <a:ext cx="12188930" cy="6857990"/>
+          </a:xfrm>
+          <a:prstGeom prst="rect">
+            <a:avLst/>
+          </a:prstGeom>
+        </p:spPr>
+      </p:pic>
+      <p:pic>
+        <p:nvPicPr>
+          <p:cNvPr id="4" name="그림 3" descr="텍스트, 스크린샷, 도표, 라인이(가) 표시된 사진&#10;&#10;자동 생성된 설명">
+            <a:extLst>
+              <a:ext uri="{FF2B5EF4-FFF2-40B4-BE49-F238E27FC236}">
+                <a16:creationId xmlns:a16="http://schemas.microsoft.com/office/drawing/2014/main" id="{48CAA43F-5C08-F3AA-D05B-F36B5B2B48DE}"/>
+              </a:ext>
+            </a:extLst>
+          </p:cNvPr>
+          <p:cNvPicPr>
+            <a:picLocks noChangeAspect="1"/>
+          </p:cNvPicPr>
+          <p:nvPr/>
+        </p:nvPicPr>
+        <p:blipFill>
+          <a:blip r:embed="rId3">
+            <a:extLst>
+              <a:ext uri="{28A0092B-C50C-407E-A947-70E740481C1C}">
+                <a14:useLocalDpi xmlns:a14="http://schemas.microsoft.com/office/drawing/2010/main" val="0"/>
+              </a:ext>
+            </a:extLst>
+          </a:blip>
+          <a:stretch>
+            <a:fillRect/>
+          </a:stretch>
+        </p:blipFill>
+        <p:spPr>
+          <a:xfrm>
+            <a:off x="1286933" y="273434"/>
+            <a:ext cx="9962070" cy="6311132"/>
+          </a:xfrm>
+          <a:prstGeom prst="rect">
+            <a:avLst/>
+          </a:prstGeom>
+        </p:spPr>
+      </p:pic>
       <p:graphicFrame>
         <p:nvGraphicFramePr>
-          <p:cNvPr id="3" name="표 2">
+          <p:cNvPr id="2" name="표 1">
             <a:extLst>
               <a:ext uri="{FF2B5EF4-FFF2-40B4-BE49-F238E27FC236}">
-                <a16:creationId xmlns:a16="http://schemas.microsoft.com/office/drawing/2014/main" id="{773AA8EA-ED7B-5964-5936-E23A51C9B2C2}"/>
+                <a16:creationId xmlns:a16="http://schemas.microsoft.com/office/drawing/2014/main" id="{5A36EE5F-6B86-8B21-4186-E97B4490D472}"/>
               </a:ext>
             </a:extLst>
           </p:cNvPr>
@@ -6954,805 +7703,322 @@
           <p:nvPr>
             <p:extLst>
               <p:ext uri="{D42A27DB-BD31-4B8C-83A1-F6EECF244321}">
-                <p14:modId xmlns:p14="http://schemas.microsoft.com/office/powerpoint/2010/main" val="3297292406"/>
+                <p14:modId xmlns:p14="http://schemas.microsoft.com/office/powerpoint/2010/main" val="3411718159"/>
               </p:ext>
             </p:extLst>
           </p:nvPr>
         </p:nvGraphicFramePr>
         <p:xfrm>
-          <a:off x="0" y="1825625"/>
-          <a:ext cx="8819736" cy="5376762"/>
+          <a:off x="6095999" y="4565793"/>
+          <a:ext cx="6005690" cy="2194560"/>
         </p:xfrm>
         <a:graphic>
           <a:graphicData uri="http://schemas.openxmlformats.org/drawingml/2006/table">
             <a:tbl>
               <a:tblPr firstRow="1" bandRow="1">
-                <a:tableStyleId>{5940675A-B579-460E-94D1-54222C63F5DA}</a:tableStyleId>
+                <a:tableStyleId>{5C22544A-7EE6-4342-B048-85BDC9FD1C3A}</a:tableStyleId>
               </a:tblPr>
               <a:tblGrid>
-                <a:gridCol w="8819736">
+                <a:gridCol w="3002845">
                   <a:extLst>
                     <a:ext uri="{9D8B030D-6E8A-4147-A177-3AD203B41FA5}">
-                      <a16:colId xmlns:a16="http://schemas.microsoft.com/office/drawing/2014/main" val="1005713468"/>
+                      <a16:colId xmlns:a16="http://schemas.microsoft.com/office/drawing/2014/main" val="202079851"/>
+                    </a:ext>
+                  </a:extLst>
+                </a:gridCol>
+                <a:gridCol w="3002845">
+                  <a:extLst>
+                    <a:ext uri="{9D8B030D-6E8A-4147-A177-3AD203B41FA5}">
+                      <a16:colId xmlns:a16="http://schemas.microsoft.com/office/drawing/2014/main" val="877282701"/>
                     </a:ext>
                   </a:extLst>
                 </a:gridCol>
               </a:tblGrid>
-              <a:tr h="669365">
+              <a:tr h="308281">
                 <a:tc>
                   <a:txBody>
                     <a:bodyPr/>
                     <a:lstStyle/>
                     <a:p>
-                      <a:pPr latinLnBrk="1"/>
+                      <a:pPr algn="ctr" latinLnBrk="1"/>
                       <a:r>
-                        <a:rPr lang="ko-KR" altLang="en-US" sz="1800" dirty="0">
-                          <a:latin typeface="HY헤드라인M" panose="02030600000101010101" pitchFamily="18" charset="-127"/>
-                          <a:ea typeface="HY헤드라인M" panose="02030600000101010101" pitchFamily="18" charset="-127"/>
-                        </a:rPr>
-                        <a:t>리소스 제작 및 수집</a:t>
+                        <a:rPr lang="ko-KR" altLang="en-US" b="1" dirty="0"/>
+                        <a:t>주차</a:t>
                       </a:r>
-                      <a:endParaRPr lang="en-US" altLang="ko-KR" sz="1800" dirty="0">
-                        <a:latin typeface="HY헤드라인M" panose="02030600000101010101" pitchFamily="18" charset="-127"/>
-                        <a:ea typeface="HY헤드라인M" panose="02030600000101010101" pitchFamily="18" charset="-127"/>
-                      </a:endParaRPr>
-                    </a:p>
-                    <a:p>
-                      <a:pPr latinLnBrk="1"/>
-                      <a:endParaRPr lang="ko-KR" altLang="en-US" sz="1800" dirty="0">
-                        <a:latin typeface="HY헤드라인M" panose="02030600000101010101" pitchFamily="18" charset="-127"/>
-                        <a:ea typeface="HY헤드라인M" panose="02030600000101010101" pitchFamily="18" charset="-127"/>
-                      </a:endParaRPr>
                     </a:p>
                   </a:txBody>
                   <a:tcPr>
-                    <a:lnR w="12700" cap="flat" cmpd="sng" algn="ctr">
-                      <a:solidFill>
-                        <a:schemeClr val="tx1"/>
-                      </a:solidFill>
-                      <a:prstDash val="solid"/>
-                      <a:round/>
-                      <a:headEnd type="none" w="med" len="med"/>
-                      <a:tailEnd type="none" w="med" len="med"/>
-                    </a:lnR>
-                    <a:lnB w="12700" cap="flat" cmpd="sng" algn="ctr">
-                      <a:solidFill>
-                        <a:schemeClr val="tx1"/>
-                      </a:solidFill>
-                      <a:prstDash val="solid"/>
-                      <a:round/>
-                      <a:headEnd type="none" w="med" len="med"/>
-                      <a:tailEnd type="none" w="med" len="med"/>
-                    </a:lnB>
                     <a:solidFill>
                       <a:schemeClr val="bg1">
-                        <a:lumMod val="85000"/>
-                        <a:alpha val="84000"/>
+                        <a:lumMod val="75000"/>
+                      </a:schemeClr>
+                    </a:solidFill>
+                  </a:tcPr>
+                </a:tc>
+                <a:tc>
+                  <a:txBody>
+                    <a:bodyPr/>
+                    <a:lstStyle/>
+                    <a:p>
+                      <a:pPr algn="ctr" latinLnBrk="1"/>
+                      <a:r>
+                        <a:rPr lang="ko-KR" altLang="en-US" b="1" dirty="0" err="1"/>
+                        <a:t>커밋수</a:t>
+                      </a:r>
+                      <a:endParaRPr lang="ko-KR" altLang="en-US" b="1" dirty="0"/>
+                    </a:p>
+                  </a:txBody>
+                  <a:tcPr>
+                    <a:solidFill>
+                      <a:schemeClr val="bg1">
+                        <a:lumMod val="75000"/>
                       </a:schemeClr>
                     </a:solidFill>
                   </a:tcPr>
                 </a:tc>
                 <a:extLst>
                   <a:ext uri="{0D108BD9-81ED-4DB2-BD59-A6C34878D82A}">
-                    <a16:rowId xmlns:a16="http://schemas.microsoft.com/office/drawing/2014/main" val="365848257"/>
+                    <a16:rowId xmlns:a16="http://schemas.microsoft.com/office/drawing/2014/main" val="2953543933"/>
                   </a:ext>
                 </a:extLst>
               </a:tr>
-              <a:tr h="669365">
+              <a:tr h="308281">
                 <a:tc>
                   <a:txBody>
                     <a:bodyPr/>
                     <a:lstStyle/>
                     <a:p>
-                      <a:pPr marL="0" marR="0" lvl="0" indent="0" algn="l" defTabSz="914400" rtl="0" eaLnBrk="1" fontAlgn="auto" latinLnBrk="1" hangingPunct="1">
-                        <a:lnSpc>
-                          <a:spcPct val="100000"/>
-                        </a:lnSpc>
-                        <a:spcBef>
-                          <a:spcPts val="0"/>
-                        </a:spcBef>
-                        <a:spcAft>
-                          <a:spcPts val="0"/>
-                        </a:spcAft>
-                        <a:buClrTx/>
-                        <a:buSzTx/>
-                        <a:buFontTx/>
-                        <a:buNone/>
-                        <a:tabLst/>
-                        <a:defRPr/>
-                      </a:pPr>
+                      <a:pPr algn="ctr" latinLnBrk="1"/>
                       <a:r>
-                        <a:rPr lang="ko-KR" altLang="en-US" sz="1800" dirty="0">
-                          <a:latin typeface="HY헤드라인M" panose="02030600000101010101" pitchFamily="18" charset="-127"/>
-                          <a:ea typeface="HY헤드라인M" panose="02030600000101010101" pitchFamily="18" charset="-127"/>
-                        </a:rPr>
-                        <a:t>리소스 제작 및 수집</a:t>
+                        <a:rPr lang="ko-KR" altLang="en-US" b="1" dirty="0"/>
+                        <a:t>１주차</a:t>
                       </a:r>
-                      <a:endParaRPr lang="en-US" altLang="ko-KR" sz="1800" dirty="0">
-                        <a:latin typeface="HY헤드라인M" panose="02030600000101010101" pitchFamily="18" charset="-127"/>
-                        <a:ea typeface="HY헤드라인M" panose="02030600000101010101" pitchFamily="18" charset="-127"/>
-                      </a:endParaRPr>
-                    </a:p>
-                    <a:p>
-                      <a:pPr latinLnBrk="1"/>
-                      <a:endParaRPr lang="ko-KR" altLang="en-US" sz="1800" dirty="0">
-                        <a:latin typeface="HY헤드라인M" panose="02030600000101010101" pitchFamily="18" charset="-127"/>
-                        <a:ea typeface="HY헤드라인M" panose="02030600000101010101" pitchFamily="18" charset="-127"/>
-                      </a:endParaRPr>
                     </a:p>
                   </a:txBody>
                   <a:tcPr>
-                    <a:lnR w="12700" cap="flat" cmpd="sng" algn="ctr">
-                      <a:solidFill>
-                        <a:schemeClr val="tx1"/>
-                      </a:solidFill>
-                      <a:prstDash val="solid"/>
-                      <a:round/>
-                      <a:headEnd type="none" w="med" len="med"/>
-                      <a:tailEnd type="none" w="med" len="med"/>
-                    </a:lnR>
-                    <a:lnT w="12700" cap="flat" cmpd="sng" algn="ctr">
-                      <a:solidFill>
-                        <a:schemeClr val="tx1"/>
-                      </a:solidFill>
-                      <a:prstDash val="solid"/>
-                      <a:round/>
-                      <a:headEnd type="none" w="med" len="med"/>
-                      <a:tailEnd type="none" w="med" len="med"/>
-                    </a:lnT>
-                    <a:lnB w="12700" cap="flat" cmpd="sng" algn="ctr">
-                      <a:solidFill>
-                        <a:schemeClr val="tx1"/>
-                      </a:solidFill>
-                      <a:prstDash val="solid"/>
-                      <a:round/>
-                      <a:headEnd type="none" w="med" len="med"/>
-                      <a:tailEnd type="none" w="med" len="med"/>
-                    </a:lnB>
                     <a:solidFill>
                       <a:schemeClr val="bg1">
-                        <a:lumMod val="85000"/>
-                        <a:alpha val="84000"/>
+                        <a:lumMod val="75000"/>
+                      </a:schemeClr>
+                    </a:solidFill>
+                  </a:tcPr>
+                </a:tc>
+                <a:tc>
+                  <a:txBody>
+                    <a:bodyPr/>
+                    <a:lstStyle/>
+                    <a:p>
+                      <a:pPr algn="ctr" latinLnBrk="1"/>
+                      <a:r>
+                        <a:rPr lang="en-US" altLang="ko-KR" b="1" dirty="0"/>
+                        <a:t>21</a:t>
+                      </a:r>
+                      <a:endParaRPr lang="ko-KR" altLang="en-US" b="1" dirty="0"/>
+                    </a:p>
+                  </a:txBody>
+                  <a:tcPr>
+                    <a:solidFill>
+                      <a:schemeClr val="bg1">
+                        <a:lumMod val="75000"/>
                       </a:schemeClr>
                     </a:solidFill>
                   </a:tcPr>
                 </a:tc>
                 <a:extLst>
                   <a:ext uri="{0D108BD9-81ED-4DB2-BD59-A6C34878D82A}">
-                    <a16:rowId xmlns:a16="http://schemas.microsoft.com/office/drawing/2014/main" val="3918839928"/>
+                    <a16:rowId xmlns:a16="http://schemas.microsoft.com/office/drawing/2014/main" val="4266954967"/>
                   </a:ext>
                 </a:extLst>
               </a:tr>
-              <a:tr h="382495">
+              <a:tr h="308281">
                 <a:tc>
                   <a:txBody>
                     <a:bodyPr/>
                     <a:lstStyle/>
                     <a:p>
-                      <a:pPr marL="0" marR="0" lvl="0" indent="0" algn="l" defTabSz="914400" rtl="0" eaLnBrk="1" fontAlgn="auto" latinLnBrk="1" hangingPunct="1">
-                        <a:lnSpc>
-                          <a:spcPct val="100000"/>
-                        </a:lnSpc>
-                        <a:spcBef>
-                          <a:spcPts val="0"/>
-                        </a:spcBef>
-                        <a:spcAft>
-                          <a:spcPts val="0"/>
-                        </a:spcAft>
-                        <a:buClrTx/>
-                        <a:buSzTx/>
-                        <a:buFontTx/>
-                        <a:buNone/>
-                        <a:tabLst/>
-                        <a:defRPr/>
-                      </a:pPr>
+                      <a:pPr algn="ctr" latinLnBrk="1"/>
                       <a:r>
-                        <a:rPr lang="ko-KR" altLang="en-US" sz="1800" dirty="0">
-                          <a:latin typeface="HY헤드라인M" panose="02030600000101010101" pitchFamily="18" charset="-127"/>
-                          <a:ea typeface="HY헤드라인M" panose="02030600000101010101" pitchFamily="18" charset="-127"/>
-                        </a:rPr>
-                        <a:t>리소스 제작 및 수집</a:t>
+                        <a:rPr lang="ko-KR" altLang="en-US" b="1" dirty="0"/>
+                        <a:t>２주차</a:t>
                       </a:r>
-                      <a:endParaRPr lang="en-US" altLang="ko-KR" sz="1800" dirty="0">
-                        <a:latin typeface="HY헤드라인M" panose="02030600000101010101" pitchFamily="18" charset="-127"/>
-                        <a:ea typeface="HY헤드라인M" panose="02030600000101010101" pitchFamily="18" charset="-127"/>
-                      </a:endParaRPr>
                     </a:p>
                   </a:txBody>
                   <a:tcPr>
-                    <a:lnR w="12700" cap="flat" cmpd="sng" algn="ctr">
-                      <a:solidFill>
-                        <a:schemeClr val="tx1"/>
-                      </a:solidFill>
-                      <a:prstDash val="solid"/>
-                      <a:round/>
-                      <a:headEnd type="none" w="med" len="med"/>
-                      <a:tailEnd type="none" w="med" len="med"/>
-                    </a:lnR>
-                    <a:lnT w="12700" cap="flat" cmpd="sng" algn="ctr">
-                      <a:solidFill>
-                        <a:schemeClr val="tx1"/>
-                      </a:solidFill>
-                      <a:prstDash val="solid"/>
-                      <a:round/>
-                      <a:headEnd type="none" w="med" len="med"/>
-                      <a:tailEnd type="none" w="med" len="med"/>
-                    </a:lnT>
-                    <a:lnB w="12700" cap="flat" cmpd="sng" algn="ctr">
-                      <a:solidFill>
-                        <a:schemeClr val="tx1"/>
-                      </a:solidFill>
-                      <a:prstDash val="solid"/>
-                      <a:round/>
-                      <a:headEnd type="none" w="med" len="med"/>
-                      <a:tailEnd type="none" w="med" len="med"/>
-                    </a:lnB>
                     <a:solidFill>
                       <a:schemeClr val="bg1">
-                        <a:lumMod val="85000"/>
-                        <a:alpha val="84000"/>
+                        <a:lumMod val="75000"/>
+                      </a:schemeClr>
+                    </a:solidFill>
+                  </a:tcPr>
+                </a:tc>
+                <a:tc>
+                  <a:txBody>
+                    <a:bodyPr/>
+                    <a:lstStyle/>
+                    <a:p>
+                      <a:pPr algn="ctr" latinLnBrk="1"/>
+                      <a:r>
+                        <a:rPr lang="en-US" altLang="ko-KR" b="1" dirty="0"/>
+                        <a:t>27</a:t>
+                      </a:r>
+                      <a:endParaRPr lang="ko-KR" altLang="en-US" b="1" dirty="0"/>
+                    </a:p>
+                  </a:txBody>
+                  <a:tcPr>
+                    <a:solidFill>
+                      <a:schemeClr val="bg1">
+                        <a:lumMod val="75000"/>
                       </a:schemeClr>
                     </a:solidFill>
                   </a:tcPr>
                 </a:tc>
                 <a:extLst>
                   <a:ext uri="{0D108BD9-81ED-4DB2-BD59-A6C34878D82A}">
-                    <a16:rowId xmlns:a16="http://schemas.microsoft.com/office/drawing/2014/main" val="2765178521"/>
+                    <a16:rowId xmlns:a16="http://schemas.microsoft.com/office/drawing/2014/main" val="67293191"/>
                   </a:ext>
                 </a:extLst>
               </a:tr>
-              <a:tr h="669365">
+              <a:tr h="308281">
                 <a:tc>
                   <a:txBody>
                     <a:bodyPr/>
                     <a:lstStyle/>
                     <a:p>
-                      <a:pPr marL="0" marR="0" lvl="0" indent="0" algn="l" defTabSz="914400" rtl="0" eaLnBrk="1" fontAlgn="auto" latinLnBrk="1" hangingPunct="1">
-                        <a:lnSpc>
-                          <a:spcPct val="100000"/>
-                        </a:lnSpc>
-                        <a:spcBef>
-                          <a:spcPts val="0"/>
-                        </a:spcBef>
-                        <a:spcAft>
-                          <a:spcPts val="0"/>
-                        </a:spcAft>
-                        <a:buClrTx/>
-                        <a:buSzTx/>
-                        <a:buFontTx/>
-                        <a:buNone/>
-                        <a:tabLst/>
-                        <a:defRPr/>
-                      </a:pPr>
+                      <a:pPr algn="ctr" latinLnBrk="1"/>
                       <a:r>
-                        <a:rPr lang="ko-KR" altLang="en-US" sz="1800" dirty="0">
-                          <a:latin typeface="HY헤드라인M" panose="02030600000101010101" pitchFamily="18" charset="-127"/>
-                          <a:ea typeface="HY헤드라인M" panose="02030600000101010101" pitchFamily="18" charset="-127"/>
-                        </a:rPr>
-                        <a:t>리소스 제작 및 수집</a:t>
+                        <a:rPr lang="ko-KR" altLang="en-US" b="1" dirty="0"/>
+                        <a:t>３주차</a:t>
                       </a:r>
-                      <a:endParaRPr lang="en-US" altLang="ko-KR" sz="1800" dirty="0">
-                        <a:latin typeface="HY헤드라인M" panose="02030600000101010101" pitchFamily="18" charset="-127"/>
-                        <a:ea typeface="HY헤드라인M" panose="02030600000101010101" pitchFamily="18" charset="-127"/>
-                      </a:endParaRPr>
-                    </a:p>
-                    <a:p>
-                      <a:pPr latinLnBrk="1"/>
-                      <a:endParaRPr lang="ko-KR" altLang="en-US" sz="1800" dirty="0">
-                        <a:latin typeface="HY헤드라인M" panose="02030600000101010101" pitchFamily="18" charset="-127"/>
-                        <a:ea typeface="HY헤드라인M" panose="02030600000101010101" pitchFamily="18" charset="-127"/>
-                      </a:endParaRPr>
                     </a:p>
                   </a:txBody>
                   <a:tcPr>
-                    <a:lnR w="12700" cap="flat" cmpd="sng" algn="ctr">
-                      <a:solidFill>
-                        <a:schemeClr val="tx1"/>
-                      </a:solidFill>
-                      <a:prstDash val="solid"/>
-                      <a:round/>
-                      <a:headEnd type="none" w="med" len="med"/>
-                      <a:tailEnd type="none" w="med" len="med"/>
-                    </a:lnR>
-                    <a:lnT w="12700" cap="flat" cmpd="sng" algn="ctr">
-                      <a:solidFill>
-                        <a:schemeClr val="tx1"/>
-                      </a:solidFill>
-                      <a:prstDash val="solid"/>
-                      <a:round/>
-                      <a:headEnd type="none" w="med" len="med"/>
-                      <a:tailEnd type="none" w="med" len="med"/>
-                    </a:lnT>
                     <a:solidFill>
                       <a:schemeClr val="bg1">
-                        <a:lumMod val="85000"/>
-                        <a:alpha val="84000"/>
+                        <a:lumMod val="75000"/>
+                      </a:schemeClr>
+                    </a:solidFill>
+                  </a:tcPr>
+                </a:tc>
+                <a:tc>
+                  <a:txBody>
+                    <a:bodyPr/>
+                    <a:lstStyle/>
+                    <a:p>
+                      <a:pPr algn="ctr" latinLnBrk="1"/>
+                      <a:r>
+                        <a:rPr lang="en-US" altLang="ko-KR" b="1" dirty="0"/>
+                        <a:t>25</a:t>
+                      </a:r>
+                      <a:endParaRPr lang="ko-KR" altLang="en-US" b="1" dirty="0"/>
+                    </a:p>
+                  </a:txBody>
+                  <a:tcPr>
+                    <a:solidFill>
+                      <a:schemeClr val="bg1">
+                        <a:lumMod val="75000"/>
                       </a:schemeClr>
                     </a:solidFill>
                   </a:tcPr>
                 </a:tc>
                 <a:extLst>
                   <a:ext uri="{0D108BD9-81ED-4DB2-BD59-A6C34878D82A}">
-                    <a16:rowId xmlns:a16="http://schemas.microsoft.com/office/drawing/2014/main" val="1669438117"/>
+                    <a16:rowId xmlns:a16="http://schemas.microsoft.com/office/drawing/2014/main" val="3621054049"/>
                   </a:ext>
                 </a:extLst>
               </a:tr>
-              <a:tr h="669365">
+              <a:tr h="308281">
                 <a:tc>
                   <a:txBody>
                     <a:bodyPr/>
                     <a:lstStyle/>
                     <a:p>
-                      <a:pPr latinLnBrk="1"/>
+                      <a:pPr algn="ctr" latinLnBrk="1"/>
                       <a:r>
-                        <a:rPr lang="ko-KR" altLang="en-US" sz="1800" dirty="0">
-                          <a:latin typeface="HY헤드라인M" panose="02030600000101010101" pitchFamily="18" charset="-127"/>
-                          <a:ea typeface="HY헤드라인M" panose="02030600000101010101" pitchFamily="18" charset="-127"/>
-                        </a:rPr>
-                        <a:t>프레임 워크 제작</a:t>
-                      </a:r>
-                      <a:r>
-                        <a:rPr lang="en-US" altLang="ko-KR" sz="1800" dirty="0">
-                          <a:latin typeface="HY헤드라인M" panose="02030600000101010101" pitchFamily="18" charset="-127"/>
-                          <a:ea typeface="HY헤드라인M" panose="02030600000101010101" pitchFamily="18" charset="-127"/>
-                        </a:rPr>
-                        <a:t>/ </a:t>
-                      </a:r>
-                    </a:p>
-                    <a:p>
-                      <a:pPr latinLnBrk="1"/>
-                      <a:r>
-                        <a:rPr lang="ko-KR" altLang="en-US" sz="1800" dirty="0">
-                          <a:latin typeface="HY헤드라인M" panose="02030600000101010101" pitchFamily="18" charset="-127"/>
-                          <a:ea typeface="HY헤드라인M" panose="02030600000101010101" pitchFamily="18" charset="-127"/>
-                        </a:rPr>
-                        <a:t>플레이어 컨트롤 구현</a:t>
-                      </a:r>
-                      <a:r>
-                        <a:rPr lang="en-US" altLang="ko-KR" sz="1800" dirty="0">
-                          <a:latin typeface="HY헤드라인M" panose="02030600000101010101" pitchFamily="18" charset="-127"/>
-                          <a:ea typeface="HY헤드라인M" panose="02030600000101010101" pitchFamily="18" charset="-127"/>
-                        </a:rPr>
-                        <a:t>, </a:t>
-                      </a:r>
-                      <a:r>
-                        <a:rPr lang="ko-KR" altLang="en-US" sz="1800" dirty="0">
-                          <a:latin typeface="HY헤드라인M" panose="02030600000101010101" pitchFamily="18" charset="-127"/>
-                          <a:ea typeface="HY헤드라인M" panose="02030600000101010101" pitchFamily="18" charset="-127"/>
-                        </a:rPr>
-                        <a:t>플레이어 세대 구현</a:t>
+                        <a:rPr lang="ko-KR" altLang="en-US" b="1" dirty="0"/>
+                        <a:t>４주차</a:t>
                       </a:r>
                     </a:p>
                   </a:txBody>
                   <a:tcPr>
-                    <a:lnR w="12700" cap="flat" cmpd="sng" algn="ctr">
-                      <a:solidFill>
-                        <a:schemeClr val="tx1"/>
-                      </a:solidFill>
-                      <a:prstDash val="solid"/>
-                      <a:round/>
-                      <a:headEnd type="none" w="med" len="med"/>
-                      <a:tailEnd type="none" w="med" len="med"/>
-                    </a:lnR>
-                    <a:lnB w="12700" cap="flat" cmpd="sng" algn="ctr">
-                      <a:solidFill>
-                        <a:schemeClr val="tx1"/>
-                      </a:solidFill>
-                      <a:prstDash val="solid"/>
-                      <a:round/>
-                      <a:headEnd type="none" w="med" len="med"/>
-                      <a:tailEnd type="none" w="med" len="med"/>
-                    </a:lnB>
                     <a:solidFill>
                       <a:schemeClr val="bg1">
-                        <a:lumMod val="85000"/>
-                        <a:alpha val="84000"/>
+                        <a:lumMod val="75000"/>
+                      </a:schemeClr>
+                    </a:solidFill>
+                  </a:tcPr>
+                </a:tc>
+                <a:tc>
+                  <a:txBody>
+                    <a:bodyPr/>
+                    <a:lstStyle/>
+                    <a:p>
+                      <a:pPr algn="ctr" latinLnBrk="1"/>
+                      <a:r>
+                        <a:rPr lang="en-US" altLang="ko-KR" b="1" dirty="0"/>
+                        <a:t>21</a:t>
+                      </a:r>
+                      <a:endParaRPr lang="ko-KR" altLang="en-US" b="1" dirty="0"/>
+                    </a:p>
+                  </a:txBody>
+                  <a:tcPr>
+                    <a:solidFill>
+                      <a:schemeClr val="bg1">
+                        <a:lumMod val="75000"/>
                       </a:schemeClr>
                     </a:solidFill>
                   </a:tcPr>
                 </a:tc>
                 <a:extLst>
                   <a:ext uri="{0D108BD9-81ED-4DB2-BD59-A6C34878D82A}">
-                    <a16:rowId xmlns:a16="http://schemas.microsoft.com/office/drawing/2014/main" val="441501474"/>
+                    <a16:rowId xmlns:a16="http://schemas.microsoft.com/office/drawing/2014/main" val="462901357"/>
                   </a:ext>
                 </a:extLst>
               </a:tr>
-              <a:tr h="416669">
+              <a:tr h="308281">
                 <a:tc>
                   <a:txBody>
                     <a:bodyPr/>
                     <a:lstStyle/>
                     <a:p>
-                      <a:pPr latinLnBrk="1"/>
+                      <a:pPr algn="ctr" latinLnBrk="1"/>
                       <a:r>
-                        <a:rPr lang="ko-KR" altLang="en-US" sz="1800" dirty="0">
-                          <a:latin typeface="HY헤드라인M" panose="02030600000101010101" pitchFamily="18" charset="-127"/>
-                          <a:ea typeface="HY헤드라인M" panose="02030600000101010101" pitchFamily="18" charset="-127"/>
-                        </a:rPr>
-                        <a:t>플레이어 컨트롤</a:t>
-                      </a:r>
-                      <a:r>
-                        <a:rPr lang="en-US" altLang="ko-KR" sz="1800" dirty="0">
-                          <a:latin typeface="HY헤드라인M" panose="02030600000101010101" pitchFamily="18" charset="-127"/>
-                          <a:ea typeface="HY헤드라인M" panose="02030600000101010101" pitchFamily="18" charset="-127"/>
-                        </a:rPr>
-                        <a:t>, </a:t>
-                      </a:r>
-                      <a:r>
-                        <a:rPr lang="ko-KR" altLang="en-US" sz="1800" dirty="0">
-                          <a:latin typeface="HY헤드라인M" panose="02030600000101010101" pitchFamily="18" charset="-127"/>
-                          <a:ea typeface="HY헤드라인M" panose="02030600000101010101" pitchFamily="18" charset="-127"/>
-                        </a:rPr>
-                        <a:t>세대  프레임워크 제작</a:t>
+                        <a:rPr lang="ko-KR" altLang="en-US" b="1" dirty="0"/>
+                        <a:t>５주차</a:t>
                       </a:r>
                     </a:p>
                   </a:txBody>
                   <a:tcPr>
-                    <a:lnR w="12700" cap="flat" cmpd="sng" algn="ctr">
-                      <a:solidFill>
-                        <a:schemeClr val="tx1"/>
-                      </a:solidFill>
-                      <a:prstDash val="solid"/>
-                      <a:round/>
-                      <a:headEnd type="none" w="med" len="med"/>
-                      <a:tailEnd type="none" w="med" len="med"/>
-                    </a:lnR>
-                    <a:lnT w="12700" cap="flat" cmpd="sng" algn="ctr">
-                      <a:solidFill>
-                        <a:schemeClr val="tx1"/>
-                      </a:solidFill>
-                      <a:prstDash val="solid"/>
-                      <a:round/>
-                      <a:headEnd type="none" w="med" len="med"/>
-                      <a:tailEnd type="none" w="med" len="med"/>
-                    </a:lnT>
                     <a:solidFill>
                       <a:schemeClr val="bg1">
-                        <a:lumMod val="85000"/>
-                        <a:alpha val="84000"/>
+                        <a:lumMod val="75000"/>
+                      </a:schemeClr>
+                    </a:solidFill>
+                  </a:tcPr>
+                </a:tc>
+                <a:tc>
+                  <a:txBody>
+                    <a:bodyPr/>
+                    <a:lstStyle/>
+                    <a:p>
+                      <a:pPr algn="ctr" latinLnBrk="1"/>
+                      <a:r>
+                        <a:rPr lang="en-US" altLang="ko-KR" b="1" dirty="0"/>
+                        <a:t>22</a:t>
+                      </a:r>
+                      <a:endParaRPr lang="ko-KR" altLang="en-US" b="1" dirty="0"/>
+                    </a:p>
+                  </a:txBody>
+                  <a:tcPr>
+                    <a:solidFill>
+                      <a:schemeClr val="bg1">
+                        <a:lumMod val="75000"/>
                       </a:schemeClr>
                     </a:solidFill>
                   </a:tcPr>
                 </a:tc>
                 <a:extLst>
                   <a:ext uri="{0D108BD9-81ED-4DB2-BD59-A6C34878D82A}">
-                    <a16:rowId xmlns:a16="http://schemas.microsoft.com/office/drawing/2014/main" val="132101775"/>
-                  </a:ext>
-                </a:extLst>
-              </a:tr>
-              <a:tr h="454073">
-                <a:tc>
-                  <a:txBody>
-                    <a:bodyPr/>
-                    <a:lstStyle/>
-                    <a:p>
-                      <a:pPr latinLnBrk="1"/>
-                      <a:r>
-                        <a:rPr lang="ko-KR" altLang="en-US" sz="1800" dirty="0">
-                          <a:latin typeface="HY헤드라인M" panose="02030600000101010101" pitchFamily="18" charset="-127"/>
-                          <a:ea typeface="HY헤드라인M" panose="02030600000101010101" pitchFamily="18" charset="-127"/>
-                        </a:rPr>
-                        <a:t>맵</a:t>
-                      </a:r>
-                      <a:r>
-                        <a:rPr lang="en-US" altLang="ko-KR" sz="1800" dirty="0">
-                          <a:latin typeface="HY헤드라인M" panose="02030600000101010101" pitchFamily="18" charset="-127"/>
-                          <a:ea typeface="HY헤드라인M" panose="02030600000101010101" pitchFamily="18" charset="-127"/>
-                        </a:rPr>
-                        <a:t>, </a:t>
-                      </a:r>
-                      <a:r>
-                        <a:rPr lang="ko-KR" altLang="en-US" sz="1800" dirty="0">
-                          <a:latin typeface="HY헤드라인M" panose="02030600000101010101" pitchFamily="18" charset="-127"/>
-                          <a:ea typeface="HY헤드라인M" panose="02030600000101010101" pitchFamily="18" charset="-127"/>
-                        </a:rPr>
-                        <a:t>카메라</a:t>
-                      </a:r>
-                      <a:r>
-                        <a:rPr lang="en-US" altLang="ko-KR" sz="1800" dirty="0">
-                          <a:latin typeface="HY헤드라인M" panose="02030600000101010101" pitchFamily="18" charset="-127"/>
-                          <a:ea typeface="HY헤드라인M" panose="02030600000101010101" pitchFamily="18" charset="-127"/>
-                        </a:rPr>
-                        <a:t>,</a:t>
-                      </a:r>
-                      <a:r>
-                        <a:rPr lang="ko-KR" altLang="en-US" sz="1800" dirty="0">
-                          <a:latin typeface="HY헤드라인M" panose="02030600000101010101" pitchFamily="18" charset="-127"/>
-                          <a:ea typeface="HY헤드라인M" panose="02030600000101010101" pitchFamily="18" charset="-127"/>
-                        </a:rPr>
-                        <a:t>게임 메인 로직</a:t>
-                      </a:r>
-                      <a:r>
-                        <a:rPr lang="en-US" altLang="ko-KR" sz="1800" dirty="0">
-                          <a:latin typeface="HY헤드라인M" panose="02030600000101010101" pitchFamily="18" charset="-127"/>
-                          <a:ea typeface="HY헤드라인M" panose="02030600000101010101" pitchFamily="18" charset="-127"/>
-                        </a:rPr>
-                        <a:t> </a:t>
-                      </a:r>
-                      <a:r>
-                        <a:rPr lang="ko-KR" altLang="en-US" sz="1800" dirty="0">
-                          <a:latin typeface="HY헤드라인M" panose="02030600000101010101" pitchFamily="18" charset="-127"/>
-                          <a:ea typeface="HY헤드라인M" panose="02030600000101010101" pitchFamily="18" charset="-127"/>
-                        </a:rPr>
-                        <a:t>구현</a:t>
-                      </a:r>
-                    </a:p>
-                  </a:txBody>
-                  <a:tcPr>
-                    <a:lnR w="12700" cap="flat" cmpd="sng" algn="ctr">
-                      <a:solidFill>
-                        <a:schemeClr val="tx1"/>
-                      </a:solidFill>
-                      <a:prstDash val="solid"/>
-                      <a:round/>
-                      <a:headEnd type="none" w="med" len="med"/>
-                      <a:tailEnd type="none" w="med" len="med"/>
-                    </a:lnR>
-                    <a:lnB w="12700" cap="flat" cmpd="sng" algn="ctr">
-                      <a:solidFill>
-                        <a:schemeClr val="tx1"/>
-                      </a:solidFill>
-                      <a:prstDash val="solid"/>
-                      <a:round/>
-                      <a:headEnd type="none" w="med" len="med"/>
-                      <a:tailEnd type="none" w="med" len="med"/>
-                    </a:lnB>
-                    <a:solidFill>
-                      <a:schemeClr val="bg1">
-                        <a:lumMod val="85000"/>
-                        <a:alpha val="84000"/>
-                      </a:schemeClr>
-                    </a:solidFill>
-                  </a:tcPr>
-                </a:tc>
-                <a:extLst>
-                  <a:ext uri="{0D108BD9-81ED-4DB2-BD59-A6C34878D82A}">
-                    <a16:rowId xmlns:a16="http://schemas.microsoft.com/office/drawing/2014/main" val="634565995"/>
-                  </a:ext>
-                </a:extLst>
-              </a:tr>
-              <a:tr h="382495">
-                <a:tc>
-                  <a:txBody>
-                    <a:bodyPr/>
-                    <a:lstStyle/>
-                    <a:p>
-                      <a:pPr latinLnBrk="1"/>
-                      <a:r>
-                        <a:rPr lang="ko-KR" altLang="en-US" sz="1800" dirty="0">
-                          <a:latin typeface="HY헤드라인M" panose="02030600000101010101" pitchFamily="18" charset="-127"/>
-                          <a:ea typeface="HY헤드라인M" panose="02030600000101010101" pitchFamily="18" charset="-127"/>
-                        </a:rPr>
-                        <a:t>맵 이동</a:t>
-                      </a:r>
-                      <a:r>
-                        <a:rPr lang="en-US" altLang="ko-KR" sz="1800" dirty="0">
-                          <a:latin typeface="HY헤드라인M" panose="02030600000101010101" pitchFamily="18" charset="-127"/>
-                          <a:ea typeface="HY헤드라인M" panose="02030600000101010101" pitchFamily="18" charset="-127"/>
-                        </a:rPr>
-                        <a:t>, </a:t>
-                      </a:r>
-                      <a:r>
-                        <a:rPr lang="ko-KR" altLang="en-US" sz="1800" dirty="0" err="1">
-                          <a:latin typeface="HY헤드라인M" panose="02030600000101010101" pitchFamily="18" charset="-127"/>
-                          <a:ea typeface="HY헤드라인M" panose="02030600000101010101" pitchFamily="18" charset="-127"/>
-                        </a:rPr>
-                        <a:t>메인로직</a:t>
-                      </a:r>
-                      <a:r>
-                        <a:rPr lang="ko-KR" altLang="en-US" sz="1800" dirty="0">
-                          <a:latin typeface="HY헤드라인M" panose="02030600000101010101" pitchFamily="18" charset="-127"/>
-                          <a:ea typeface="HY헤드라인M" panose="02030600000101010101" pitchFamily="18" charset="-127"/>
-                        </a:rPr>
-                        <a:t> 구현</a:t>
-                      </a:r>
-                    </a:p>
-                  </a:txBody>
-                  <a:tcPr>
-                    <a:lnR w="12700" cap="flat" cmpd="sng" algn="ctr">
-                      <a:solidFill>
-                        <a:schemeClr val="tx1"/>
-                      </a:solidFill>
-                      <a:prstDash val="solid"/>
-                      <a:round/>
-                      <a:headEnd type="none" w="med" len="med"/>
-                      <a:tailEnd type="none" w="med" len="med"/>
-                    </a:lnR>
-                    <a:lnT w="12700" cap="flat" cmpd="sng" algn="ctr">
-                      <a:solidFill>
-                        <a:schemeClr val="tx1"/>
-                      </a:solidFill>
-                      <a:prstDash val="solid"/>
-                      <a:round/>
-                      <a:headEnd type="none" w="med" len="med"/>
-                      <a:tailEnd type="none" w="med" len="med"/>
-                    </a:lnT>
-                    <a:solidFill>
-                      <a:schemeClr val="bg1">
-                        <a:lumMod val="85000"/>
-                        <a:alpha val="84000"/>
-                      </a:schemeClr>
-                    </a:solidFill>
-                  </a:tcPr>
-                </a:tc>
-                <a:extLst>
-                  <a:ext uri="{0D108BD9-81ED-4DB2-BD59-A6C34878D82A}">
-                    <a16:rowId xmlns:a16="http://schemas.microsoft.com/office/drawing/2014/main" val="3425995747"/>
-                  </a:ext>
-                </a:extLst>
-              </a:tr>
-              <a:tr h="681075">
-                <a:tc>
-                  <a:txBody>
-                    <a:bodyPr/>
-                    <a:lstStyle/>
-                    <a:p>
-                      <a:pPr marL="0" marR="0" lvl="0" indent="0" algn="l" defTabSz="914400" rtl="0" eaLnBrk="1" fontAlgn="auto" latinLnBrk="1" hangingPunct="1">
-                        <a:lnSpc>
-                          <a:spcPct val="100000"/>
-                        </a:lnSpc>
-                        <a:spcBef>
-                          <a:spcPts val="0"/>
-                        </a:spcBef>
-                        <a:spcAft>
-                          <a:spcPts val="0"/>
-                        </a:spcAft>
-                        <a:buClrTx/>
-                        <a:buSzTx/>
-                        <a:buFontTx/>
-                        <a:buNone/>
-                        <a:tabLst/>
-                        <a:defRPr/>
-                      </a:pPr>
-                      <a:r>
-                        <a:rPr lang="ko-KR" altLang="en-US" sz="1800" dirty="0">
-                          <a:latin typeface="HY헤드라인M" panose="02030600000101010101" pitchFamily="18" charset="-127"/>
-                          <a:ea typeface="HY헤드라인M" panose="02030600000101010101" pitchFamily="18" charset="-127"/>
-                        </a:rPr>
-                        <a:t>적</a:t>
-                      </a:r>
-                      <a:r>
-                        <a:rPr lang="en-US" altLang="ko-KR" sz="1800" dirty="0">
-                          <a:latin typeface="HY헤드라인M" panose="02030600000101010101" pitchFamily="18" charset="-127"/>
-                          <a:ea typeface="HY헤드라인M" panose="02030600000101010101" pitchFamily="18" charset="-127"/>
-                        </a:rPr>
-                        <a:t>(</a:t>
-                      </a:r>
-                      <a:r>
-                        <a:rPr lang="ko-KR" altLang="en-US" sz="1800" dirty="0">
-                          <a:latin typeface="HY헤드라인M" panose="02030600000101010101" pitchFamily="18" charset="-127"/>
-                          <a:ea typeface="HY헤드라인M" panose="02030600000101010101" pitchFamily="18" charset="-127"/>
-                        </a:rPr>
-                        <a:t>몬스터</a:t>
-                      </a:r>
-                      <a:r>
-                        <a:rPr lang="en-US" altLang="ko-KR" sz="1800" dirty="0">
-                          <a:latin typeface="HY헤드라인M" panose="02030600000101010101" pitchFamily="18" charset="-127"/>
-                          <a:ea typeface="HY헤드라인M" panose="02030600000101010101" pitchFamily="18" charset="-127"/>
-                        </a:rPr>
-                        <a:t>)</a:t>
-                      </a:r>
-                      <a:r>
-                        <a:rPr lang="ko-KR" altLang="en-US" sz="1800" dirty="0">
-                          <a:latin typeface="HY헤드라인M" panose="02030600000101010101" pitchFamily="18" charset="-127"/>
-                          <a:ea typeface="HY헤드라인M" panose="02030600000101010101" pitchFamily="18" charset="-127"/>
-                        </a:rPr>
-                        <a:t> </a:t>
-                      </a:r>
-                      <a:r>
-                        <a:rPr lang="ko-KR" altLang="en-US" sz="1800" dirty="0" err="1">
-                          <a:latin typeface="HY헤드라인M" panose="02030600000101010101" pitchFamily="18" charset="-127"/>
-                          <a:ea typeface="HY헤드라인M" panose="02030600000101010101" pitchFamily="18" charset="-127"/>
-                        </a:rPr>
-                        <a:t>기믹</a:t>
-                      </a:r>
-                      <a:r>
-                        <a:rPr lang="ko-KR" altLang="en-US" sz="1800" dirty="0">
-                          <a:latin typeface="HY헤드라인M" panose="02030600000101010101" pitchFamily="18" charset="-127"/>
-                          <a:ea typeface="HY헤드라인M" panose="02030600000101010101" pitchFamily="18" charset="-127"/>
-                        </a:rPr>
-                        <a:t> 구현</a:t>
-                      </a:r>
-                    </a:p>
-                    <a:p>
-                      <a:pPr latinLnBrk="1"/>
-                      <a:r>
-                        <a:rPr lang="ko-KR" altLang="en-US" sz="1800" dirty="0">
-                          <a:latin typeface="HY헤드라인M" panose="02030600000101010101" pitchFamily="18" charset="-127"/>
-                          <a:ea typeface="HY헤드라인M" panose="02030600000101010101" pitchFamily="18" charset="-127"/>
-                        </a:rPr>
-                        <a:t>충돌 구현</a:t>
-                      </a:r>
-                    </a:p>
-                  </a:txBody>
-                  <a:tcPr>
-                    <a:lnR w="12700" cap="flat" cmpd="sng" algn="ctr">
-                      <a:solidFill>
-                        <a:schemeClr val="tx1"/>
-                      </a:solidFill>
-                      <a:prstDash val="solid"/>
-                      <a:round/>
-                      <a:headEnd type="none" w="med" len="med"/>
-                      <a:tailEnd type="none" w="med" len="med"/>
-                    </a:lnR>
-                    <a:lnB w="12700" cap="flat" cmpd="sng" algn="ctr">
-                      <a:solidFill>
-                        <a:schemeClr val="tx1"/>
-                      </a:solidFill>
-                      <a:prstDash val="solid"/>
-                      <a:round/>
-                      <a:headEnd type="none" w="med" len="med"/>
-                      <a:tailEnd type="none" w="med" len="med"/>
-                    </a:lnB>
-                    <a:solidFill>
-                      <a:schemeClr val="bg1">
-                        <a:lumMod val="85000"/>
-                        <a:alpha val="84000"/>
-                      </a:schemeClr>
-                    </a:solidFill>
-                  </a:tcPr>
-                </a:tc>
-                <a:extLst>
-                  <a:ext uri="{0D108BD9-81ED-4DB2-BD59-A6C34878D82A}">
-                    <a16:rowId xmlns:a16="http://schemas.microsoft.com/office/drawing/2014/main" val="2413198232"/>
-                  </a:ext>
-                </a:extLst>
-              </a:tr>
-              <a:tr h="382495">
-                <a:tc>
-                  <a:txBody>
-                    <a:bodyPr/>
-                    <a:lstStyle/>
-                    <a:p>
-                      <a:pPr latinLnBrk="1"/>
-                      <a:r>
-                        <a:rPr lang="ko-KR" altLang="en-US" sz="1800" dirty="0">
-                          <a:latin typeface="HY헤드라인M" panose="02030600000101010101" pitchFamily="18" charset="-127"/>
-                          <a:ea typeface="HY헤드라인M" panose="02030600000101010101" pitchFamily="18" charset="-127"/>
-                        </a:rPr>
-                        <a:t>적의 완벽한 이동 패턴 구현 불가</a:t>
-                      </a:r>
-                    </a:p>
-                  </a:txBody>
-                  <a:tcPr>
-                    <a:lnR w="12700" cap="flat" cmpd="sng" algn="ctr">
-                      <a:solidFill>
-                        <a:schemeClr val="tx1"/>
-                      </a:solidFill>
-                      <a:prstDash val="solid"/>
-                      <a:round/>
-                      <a:headEnd type="none" w="med" len="med"/>
-                      <a:tailEnd type="none" w="med" len="med"/>
-                    </a:lnR>
-                    <a:lnT w="12700" cap="flat" cmpd="sng" algn="ctr">
-                      <a:solidFill>
-                        <a:schemeClr val="tx1"/>
-                      </a:solidFill>
-                      <a:prstDash val="solid"/>
-                      <a:round/>
-                      <a:headEnd type="none" w="med" len="med"/>
-                      <a:tailEnd type="none" w="med" len="med"/>
-                    </a:lnT>
-                    <a:lnB w="12700" cap="flat" cmpd="sng" algn="ctr">
-                      <a:solidFill>
-                        <a:schemeClr val="tx1"/>
-                      </a:solidFill>
-                      <a:prstDash val="solid"/>
-                      <a:round/>
-                      <a:headEnd type="none" w="med" len="med"/>
-                      <a:tailEnd type="none" w="med" len="med"/>
-                    </a:lnB>
-                    <a:solidFill>
-                      <a:schemeClr val="bg1">
-                        <a:lumMod val="85000"/>
-                        <a:alpha val="84000"/>
-                      </a:schemeClr>
-                    </a:solidFill>
-                  </a:tcPr>
-                </a:tc>
-                <a:extLst>
-                  <a:ext uri="{0D108BD9-81ED-4DB2-BD59-A6C34878D82A}">
-                    <a16:rowId xmlns:a16="http://schemas.microsoft.com/office/drawing/2014/main" val="2027666172"/>
+                    <a16:rowId xmlns:a16="http://schemas.microsoft.com/office/drawing/2014/main" val="4024469813"/>
                   </a:ext>
                 </a:extLst>
               </a:tr>
@@ -7763,7 +8029,7 @@
     </p:spTree>
     <p:extLst>
       <p:ext uri="{BB962C8B-B14F-4D97-AF65-F5344CB8AC3E}">
-        <p14:creationId xmlns:p14="http://schemas.microsoft.com/office/powerpoint/2010/main" val="2686619682"/>
+        <p14:creationId xmlns:p14="http://schemas.microsoft.com/office/powerpoint/2010/main" val="3607831595"/>
       </p:ext>
     </p:extLst>
   </p:cSld>
@@ -7773,7 +8039,7 @@
 </p:sld>
 </file>
 
-<file path=ppt/slides/slide5.xml><?xml version="1.0" encoding="utf-8"?>
+<file path=ppt/slides/slide6.xml><?xml version="1.0" encoding="utf-8"?>
 <p:sld xmlns:a="http://schemas.openxmlformats.org/drawingml/2006/main" xmlns:r="http://schemas.openxmlformats.org/officeDocument/2006/relationships" xmlns:p="http://schemas.openxmlformats.org/presentationml/2006/main">
   <p:cSld>
     <p:bg>
